--- a/NIST_Data_Leakage_Case/NIST_Data_Leakage_11_RecycleBin_AntiForensics.pptx
+++ b/NIST_Data_Leakage_Case/NIST_Data_Leakage_11_RecycleBin_AntiForensics.pptx
@@ -195,8 +195,8 @@
   </pc:docChgLst>
   <pc:docChgLst>
     <pc:chgData name="Weifeng Xu" userId="e7aed605-a3dd-4d5a-a692-a87037af107b" providerId="ADAL" clId="{11A374D6-F014-49C5-8E0D-124972D9787C}"/>
-    <pc:docChg chg="delSld modSld">
-      <pc:chgData name="Weifeng Xu" userId="e7aed605-a3dd-4d5a-a692-a87037af107b" providerId="ADAL" clId="{11A374D6-F014-49C5-8E0D-124972D9787C}" dt="2021-11-13T02:10:40.331" v="64" actId="47"/>
+    <pc:docChg chg="custSel delSld modSld">
+      <pc:chgData name="Weifeng Xu" userId="e7aed605-a3dd-4d5a-a692-a87037af107b" providerId="ADAL" clId="{11A374D6-F014-49C5-8E0D-124972D9787C}" dt="2021-11-13T02:22:55.795" v="114" actId="20577"/>
       <pc:docMkLst>
         <pc:docMk/>
       </pc:docMkLst>
@@ -298,6 +298,36 @@
           <pc:docMk/>
           <pc:sldMk cId="3383704985" sldId="309"/>
         </pc:sldMkLst>
+      </pc:sldChg>
+      <pc:sldChg chg="modSp mod">
+        <pc:chgData name="Weifeng Xu" userId="e7aed605-a3dd-4d5a-a692-a87037af107b" providerId="ADAL" clId="{11A374D6-F014-49C5-8E0D-124972D9787C}" dt="2021-11-13T02:22:04.516" v="112" actId="6549"/>
+        <pc:sldMkLst>
+          <pc:docMk/>
+          <pc:sldMk cId="1601068556" sldId="318"/>
+        </pc:sldMkLst>
+        <pc:spChg chg="mod">
+          <ac:chgData name="Weifeng Xu" userId="e7aed605-a3dd-4d5a-a692-a87037af107b" providerId="ADAL" clId="{11A374D6-F014-49C5-8E0D-124972D9787C}" dt="2021-11-13T02:22:04.516" v="112" actId="6549"/>
+          <ac:spMkLst>
+            <pc:docMk/>
+            <pc:sldMk cId="1601068556" sldId="318"/>
+            <ac:spMk id="3" creationId="{51C17ABF-D2EB-4B0A-985E-1031D14EEE21}"/>
+          </ac:spMkLst>
+        </pc:spChg>
+      </pc:sldChg>
+      <pc:sldChg chg="modSp mod">
+        <pc:chgData name="Weifeng Xu" userId="e7aed605-a3dd-4d5a-a692-a87037af107b" providerId="ADAL" clId="{11A374D6-F014-49C5-8E0D-124972D9787C}" dt="2021-11-13T02:22:55.795" v="114" actId="20577"/>
+        <pc:sldMkLst>
+          <pc:docMk/>
+          <pc:sldMk cId="952532418" sldId="320"/>
+        </pc:sldMkLst>
+        <pc:spChg chg="mod">
+          <ac:chgData name="Weifeng Xu" userId="e7aed605-a3dd-4d5a-a692-a87037af107b" providerId="ADAL" clId="{11A374D6-F014-49C5-8E0D-124972D9787C}" dt="2021-11-13T02:22:55.795" v="114" actId="20577"/>
+          <ac:spMkLst>
+            <pc:docMk/>
+            <pc:sldMk cId="952532418" sldId="320"/>
+            <ac:spMk id="3" creationId="{00000000-0000-0000-0000-000000000000}"/>
+          </ac:spMkLst>
+        </pc:spChg>
       </pc:sldChg>
       <pc:sldChg chg="del">
         <pc:chgData name="Weifeng Xu" userId="e7aed605-a3dd-4d5a-a692-a87037af107b" providerId="ADAL" clId="{11A374D6-F014-49C5-8E0D-124972D9787C}" dt="2021-11-13T02:10:30.659" v="39" actId="47"/>
@@ -6555,7 +6585,7 @@
           <a:p>
             <a:r>
               <a:rPr lang="en-US" dirty="0"/>
-              <a:t>overwrite</a:t>
+              <a:t>Overwrite</a:t>
             </a:r>
           </a:p>
           <a:p>
@@ -9834,7 +9864,7 @@
         <p:spPr>
           <a:xfrm>
             <a:off x="714940" y="183535"/>
-            <a:ext cx="4529381" cy="369332"/>
+            <a:ext cx="5899500" cy="369332"/>
           </a:xfrm>
           <a:prstGeom prst="rect">
             <a:avLst/>
@@ -9851,13 +9881,8 @@
           <a:p>
             <a:r>
               <a:rPr lang="en-US" dirty="0"/>
-              <a:t>Convert random file names to </a:t>
-            </a:r>
-            <a:r>
-              <a:rPr lang="en-US"/>
-              <a:t>readable strings</a:t>
-            </a:r>
-            <a:endParaRPr lang="en-US" dirty="0"/>
+              <a:t>Match random file names with readable file names in the file</a:t>
+            </a:r>
           </a:p>
         </p:txBody>
       </p:sp>
